--- a/Documentation/Icon/PSS-Icon.pptx
+++ b/Documentation/Icon/PSS-Icon.pptx
@@ -6,8 +6,9 @@
   </p:sldMasterIdLst>
   <p:sldIdLst>
     <p:sldId id="256" r:id="rId2"/>
-    <p:sldId id="257" r:id="rId3"/>
-    <p:sldId id="258" r:id="rId4"/>
+    <p:sldId id="259" r:id="rId3"/>
+    <p:sldId id="257" r:id="rId4"/>
+    <p:sldId id="258" r:id="rId5"/>
   </p:sldIdLst>
   <p:sldSz cx="9144000" cy="6858000" type="screen4x3"/>
   <p:notesSz cx="6858000" cy="9144000"/>
@@ -290,7 +291,7 @@
           <a:p>
             <a:fld id="{48D62A54-6B47-47F6-ADF5-EDE6A10933E9}" type="datetimeFigureOut">
               <a:rPr lang="de-DE" smtClean="0"/>
-              <a:t>19.04.2019</a:t>
+              <a:t>13.05.2019</a:t>
             </a:fld>
             <a:endParaRPr lang="de-DE"/>
           </a:p>
@@ -460,7 +461,7 @@
           <a:p>
             <a:fld id="{48D62A54-6B47-47F6-ADF5-EDE6A10933E9}" type="datetimeFigureOut">
               <a:rPr lang="de-DE" smtClean="0"/>
-              <a:t>19.04.2019</a:t>
+              <a:t>13.05.2019</a:t>
             </a:fld>
             <a:endParaRPr lang="de-DE"/>
           </a:p>
@@ -640,7 +641,7 @@
           <a:p>
             <a:fld id="{48D62A54-6B47-47F6-ADF5-EDE6A10933E9}" type="datetimeFigureOut">
               <a:rPr lang="de-DE" smtClean="0"/>
-              <a:t>19.04.2019</a:t>
+              <a:t>13.05.2019</a:t>
             </a:fld>
             <a:endParaRPr lang="de-DE"/>
           </a:p>
@@ -810,7 +811,7 @@
           <a:p>
             <a:fld id="{48D62A54-6B47-47F6-ADF5-EDE6A10933E9}" type="datetimeFigureOut">
               <a:rPr lang="de-DE" smtClean="0"/>
-              <a:t>19.04.2019</a:t>
+              <a:t>13.05.2019</a:t>
             </a:fld>
             <a:endParaRPr lang="de-DE"/>
           </a:p>
@@ -1056,7 +1057,7 @@
           <a:p>
             <a:fld id="{48D62A54-6B47-47F6-ADF5-EDE6A10933E9}" type="datetimeFigureOut">
               <a:rPr lang="de-DE" smtClean="0"/>
-              <a:t>19.04.2019</a:t>
+              <a:t>13.05.2019</a:t>
             </a:fld>
             <a:endParaRPr lang="de-DE"/>
           </a:p>
@@ -1344,7 +1345,7 @@
           <a:p>
             <a:fld id="{48D62A54-6B47-47F6-ADF5-EDE6A10933E9}" type="datetimeFigureOut">
               <a:rPr lang="de-DE" smtClean="0"/>
-              <a:t>19.04.2019</a:t>
+              <a:t>13.05.2019</a:t>
             </a:fld>
             <a:endParaRPr lang="de-DE"/>
           </a:p>
@@ -1766,7 +1767,7 @@
           <a:p>
             <a:fld id="{48D62A54-6B47-47F6-ADF5-EDE6A10933E9}" type="datetimeFigureOut">
               <a:rPr lang="de-DE" smtClean="0"/>
-              <a:t>19.04.2019</a:t>
+              <a:t>13.05.2019</a:t>
             </a:fld>
             <a:endParaRPr lang="de-DE"/>
           </a:p>
@@ -1884,7 +1885,7 @@
           <a:p>
             <a:fld id="{48D62A54-6B47-47F6-ADF5-EDE6A10933E9}" type="datetimeFigureOut">
               <a:rPr lang="de-DE" smtClean="0"/>
-              <a:t>19.04.2019</a:t>
+              <a:t>13.05.2019</a:t>
             </a:fld>
             <a:endParaRPr lang="de-DE"/>
           </a:p>
@@ -1979,7 +1980,7 @@
           <a:p>
             <a:fld id="{48D62A54-6B47-47F6-ADF5-EDE6A10933E9}" type="datetimeFigureOut">
               <a:rPr lang="de-DE" smtClean="0"/>
-              <a:t>19.04.2019</a:t>
+              <a:t>13.05.2019</a:t>
             </a:fld>
             <a:endParaRPr lang="de-DE"/>
           </a:p>
@@ -2256,7 +2257,7 @@
           <a:p>
             <a:fld id="{48D62A54-6B47-47F6-ADF5-EDE6A10933E9}" type="datetimeFigureOut">
               <a:rPr lang="de-DE" smtClean="0"/>
-              <a:t>19.04.2019</a:t>
+              <a:t>13.05.2019</a:t>
             </a:fld>
             <a:endParaRPr lang="de-DE"/>
           </a:p>
@@ -2509,7 +2510,7 @@
           <a:p>
             <a:fld id="{48D62A54-6B47-47F6-ADF5-EDE6A10933E9}" type="datetimeFigureOut">
               <a:rPr lang="de-DE" smtClean="0"/>
-              <a:t>19.04.2019</a:t>
+              <a:t>13.05.2019</a:t>
             </a:fld>
             <a:endParaRPr lang="de-DE"/>
           </a:p>
@@ -2722,7 +2723,7 @@
           <a:p>
             <a:fld id="{48D62A54-6B47-47F6-ADF5-EDE6A10933E9}" type="datetimeFigureOut">
               <a:rPr lang="de-DE" smtClean="0"/>
-              <a:t>19.04.2019</a:t>
+              <a:t>13.05.2019</a:t>
             </a:fld>
             <a:endParaRPr lang="de-DE"/>
           </a:p>
@@ -3332,6 +3333,13 @@
   <p:clrMapOvr>
     <a:masterClrMapping/>
   </p:clrMapOvr>
+  <p:timing>
+    <p:tnLst>
+      <p:par>
+        <p:cTn id="1" dur="indefinite" restart="never" nodeType="tmRoot"/>
+      </p:par>
+    </p:tnLst>
+  </p:timing>
 </p:sld>
 </file>
 
@@ -3354,14 +3362,239 @@
       </p:grpSpPr>
       <p:sp>
         <p:nvSpPr>
-          <p:cNvPr id="4" name="Rechteck 3"/>
+          <p:cNvPr id="8" name="Rechteck 7"/>
           <p:cNvSpPr/>
           <p:nvPr/>
         </p:nvSpPr>
         <p:spPr>
           <a:xfrm>
-            <a:off x="3275010" y="2967335"/>
-            <a:ext cx="2593980" cy="1569660"/>
+            <a:off x="1445490" y="1145814"/>
+            <a:ext cx="5330979" cy="5331571"/>
+          </a:xfrm>
+          <a:prstGeom prst="rect">
+            <a:avLst/>
+          </a:prstGeom>
+          <a:solidFill>
+            <a:schemeClr val="tx2">
+              <a:lumMod val="20000"/>
+              <a:lumOff val="80000"/>
+            </a:schemeClr>
+          </a:solidFill>
+        </p:spPr>
+        <p:style>
+          <a:lnRef idx="2">
+            <a:schemeClr val="accent1">
+              <a:shade val="50000"/>
+            </a:schemeClr>
+          </a:lnRef>
+          <a:fillRef idx="1">
+            <a:schemeClr val="accent1"/>
+          </a:fillRef>
+          <a:effectRef idx="0">
+            <a:schemeClr val="accent1"/>
+          </a:effectRef>
+          <a:fontRef idx="minor">
+            <a:schemeClr val="lt1"/>
+          </a:fontRef>
+        </p:style>
+        <p:txBody>
+          <a:bodyPr rtlCol="0" anchor="ctr"/>
+          <a:lstStyle/>
+          <a:p>
+            <a:pPr algn="ctr"/>
+            <a:endParaRPr lang="de-DE"/>
+          </a:p>
+        </p:txBody>
+      </p:sp>
+      <p:grpSp>
+        <p:nvGrpSpPr>
+          <p:cNvPr id="12" name="Gruppieren 11"/>
+          <p:cNvGrpSpPr/>
+          <p:nvPr/>
+        </p:nvGrpSpPr>
+        <p:grpSpPr>
+          <a:xfrm>
+            <a:off x="2036192" y="1016731"/>
+            <a:ext cx="4149576" cy="5589736"/>
+            <a:chOff x="2036192" y="1412776"/>
+            <a:chExt cx="4149576" cy="5589736"/>
+          </a:xfrm>
+        </p:grpSpPr>
+        <p:pic>
+          <p:nvPicPr>
+            <p:cNvPr id="4" name="Grafik 3"/>
+            <p:cNvPicPr>
+              <a:picLocks noChangeAspect="1"/>
+            </p:cNvPicPr>
+            <p:nvPr/>
+          </p:nvPicPr>
+          <p:blipFill>
+            <a:blip r:embed="rId2">
+              <a:extLst>
+                <a:ext uri="{28A0092B-C50C-407E-A947-70E740481C1C}">
+                  <a14:useLocalDpi xmlns:a14="http://schemas.microsoft.com/office/drawing/2010/main" val="0"/>
+                </a:ext>
+              </a:extLst>
+            </a:blip>
+            <a:stretch>
+              <a:fillRect/>
+            </a:stretch>
+          </p:blipFill>
+          <p:spPr>
+            <a:xfrm flipV="1">
+              <a:off x="2036192" y="2852936"/>
+              <a:ext cx="4149576" cy="4149576"/>
+            </a:xfrm>
+            <a:prstGeom prst="rect">
+              <a:avLst/>
+            </a:prstGeom>
+            <a:effectLst>
+              <a:outerShdw blurRad="139700" dist="101600" dir="3420000" sx="101000" sy="101000" algn="tl" rotWithShape="0">
+                <a:prstClr val="black">
+                  <a:alpha val="40000"/>
+                </a:prstClr>
+              </a:outerShdw>
+            </a:effectLst>
+            <a:scene3d>
+              <a:camera prst="isometricTopUp"/>
+              <a:lightRig rig="threePt" dir="t"/>
+            </a:scene3d>
+          </p:spPr>
+        </p:pic>
+        <p:pic>
+          <p:nvPicPr>
+            <p:cNvPr id="5" name="Grafik 4"/>
+            <p:cNvPicPr>
+              <a:picLocks noChangeAspect="1"/>
+            </p:cNvPicPr>
+            <p:nvPr/>
+          </p:nvPicPr>
+          <p:blipFill>
+            <a:blip r:embed="rId2">
+              <a:extLst>
+                <a:ext uri="{28A0092B-C50C-407E-A947-70E740481C1C}">
+                  <a14:useLocalDpi xmlns:a14="http://schemas.microsoft.com/office/drawing/2010/main" val="0"/>
+                </a:ext>
+              </a:extLst>
+            </a:blip>
+            <a:stretch>
+              <a:fillRect/>
+            </a:stretch>
+          </p:blipFill>
+          <p:spPr>
+            <a:xfrm flipV="1">
+              <a:off x="2036192" y="2372882"/>
+              <a:ext cx="4149576" cy="4149576"/>
+            </a:xfrm>
+            <a:prstGeom prst="rect">
+              <a:avLst/>
+            </a:prstGeom>
+            <a:effectLst>
+              <a:outerShdw blurRad="139700" dist="101600" dir="3420000" sx="101000" sy="101000" algn="tl" rotWithShape="0">
+                <a:prstClr val="black">
+                  <a:alpha val="40000"/>
+                </a:prstClr>
+              </a:outerShdw>
+            </a:effectLst>
+            <a:scene3d>
+              <a:camera prst="isometricTopUp"/>
+              <a:lightRig rig="threePt" dir="t"/>
+            </a:scene3d>
+          </p:spPr>
+        </p:pic>
+        <p:pic>
+          <p:nvPicPr>
+            <p:cNvPr id="6" name="Grafik 5"/>
+            <p:cNvPicPr>
+              <a:picLocks noChangeAspect="1"/>
+            </p:cNvPicPr>
+            <p:nvPr/>
+          </p:nvPicPr>
+          <p:blipFill>
+            <a:blip r:embed="rId2">
+              <a:extLst>
+                <a:ext uri="{28A0092B-C50C-407E-A947-70E740481C1C}">
+                  <a14:useLocalDpi xmlns:a14="http://schemas.microsoft.com/office/drawing/2010/main" val="0"/>
+                </a:ext>
+              </a:extLst>
+            </a:blip>
+            <a:stretch>
+              <a:fillRect/>
+            </a:stretch>
+          </p:blipFill>
+          <p:spPr>
+            <a:xfrm flipV="1">
+              <a:off x="2036192" y="1892829"/>
+              <a:ext cx="4149576" cy="4149576"/>
+            </a:xfrm>
+            <a:prstGeom prst="rect">
+              <a:avLst/>
+            </a:prstGeom>
+            <a:effectLst>
+              <a:outerShdw blurRad="139700" dist="101600" dir="3420000" sx="101000" sy="101000" algn="tl" rotWithShape="0">
+                <a:prstClr val="black">
+                  <a:alpha val="40000"/>
+                </a:prstClr>
+              </a:outerShdw>
+            </a:effectLst>
+            <a:scene3d>
+              <a:camera prst="isometricTopUp"/>
+              <a:lightRig rig="threePt" dir="t"/>
+            </a:scene3d>
+          </p:spPr>
+        </p:pic>
+        <p:pic>
+          <p:nvPicPr>
+            <p:cNvPr id="7" name="Grafik 6"/>
+            <p:cNvPicPr>
+              <a:picLocks noChangeAspect="1"/>
+            </p:cNvPicPr>
+            <p:nvPr/>
+          </p:nvPicPr>
+          <p:blipFill>
+            <a:blip r:embed="rId2">
+              <a:extLst>
+                <a:ext uri="{28A0092B-C50C-407E-A947-70E740481C1C}">
+                  <a14:useLocalDpi xmlns:a14="http://schemas.microsoft.com/office/drawing/2010/main" val="0"/>
+                </a:ext>
+              </a:extLst>
+            </a:blip>
+            <a:stretch>
+              <a:fillRect/>
+            </a:stretch>
+          </p:blipFill>
+          <p:spPr>
+            <a:xfrm flipV="1">
+              <a:off x="2036192" y="1412776"/>
+              <a:ext cx="4149576" cy="4149576"/>
+            </a:xfrm>
+            <a:prstGeom prst="rect">
+              <a:avLst/>
+            </a:prstGeom>
+            <a:effectLst>
+              <a:outerShdw blurRad="139700" dist="101600" dir="3420000" sx="101000" sy="101000" algn="tl" rotWithShape="0">
+                <a:prstClr val="black">
+                  <a:alpha val="40000"/>
+                </a:prstClr>
+              </a:outerShdw>
+            </a:effectLst>
+            <a:scene3d>
+              <a:camera prst="isometricTopUp"/>
+              <a:lightRig rig="threePt" dir="t"/>
+            </a:scene3d>
+          </p:spPr>
+        </p:pic>
+      </p:grpSp>
+      <p:sp>
+        <p:nvSpPr>
+          <p:cNvPr id="9" name="Rechteck 8"/>
+          <p:cNvSpPr/>
+          <p:nvPr/>
+        </p:nvSpPr>
+        <p:spPr>
+          <a:xfrm>
+            <a:off x="2462803" y="3744145"/>
+            <a:ext cx="3296352" cy="2862322"/>
           </a:xfrm>
           <a:prstGeom prst="rect">
             <a:avLst/>
@@ -3390,6 +3623,150 @@
           <a:p>
             <a:pPr algn="ctr"/>
             <a:r>
+              <a:rPr lang="de-DE" sz="6000" b="1" cap="none" spc="50" dirty="0" smtClean="0">
+                <a:ln w="11430"/>
+                <a:solidFill>
+                  <a:srgbClr val="FF0000"/>
+                </a:solidFill>
+                <a:effectLst>
+                  <a:outerShdw blurRad="76200" dist="50800" dir="5400000" algn="tl" rotWithShape="0">
+                    <a:srgbClr val="000000">
+                      <a:alpha val="65000"/>
+                    </a:srgbClr>
+                  </a:outerShdw>
+                </a:effectLst>
+              </a:rPr>
+              <a:t>Planetary</a:t>
+            </a:r>
+          </a:p>
+          <a:p>
+            <a:pPr algn="ctr"/>
+            <a:r>
+              <a:rPr lang="de-DE" sz="6000" b="1" cap="none" spc="50" dirty="0" smtClean="0">
+                <a:ln w="11430"/>
+                <a:solidFill>
+                  <a:srgbClr val="FF0000"/>
+                </a:solidFill>
+                <a:effectLst>
+                  <a:outerShdw blurRad="76200" dist="50800" dir="5400000" algn="tl" rotWithShape="0">
+                    <a:srgbClr val="000000">
+                      <a:alpha val="65000"/>
+                    </a:srgbClr>
+                  </a:outerShdw>
+                </a:effectLst>
+              </a:rPr>
+              <a:t>System</a:t>
+            </a:r>
+          </a:p>
+          <a:p>
+            <a:pPr algn="ctr"/>
+            <a:r>
+              <a:rPr lang="de-DE" sz="6000" b="1" cap="none" spc="50" dirty="0" err="1" smtClean="0">
+                <a:ln w="11430"/>
+                <a:solidFill>
+                  <a:srgbClr val="FF0000"/>
+                </a:solidFill>
+                <a:effectLst>
+                  <a:outerShdw blurRad="76200" dist="50800" dir="5400000" algn="tl" rotWithShape="0">
+                    <a:srgbClr val="000000">
+                      <a:alpha val="65000"/>
+                    </a:srgbClr>
+                  </a:outerShdw>
+                </a:effectLst>
+              </a:rPr>
+              <a:t>Stacker</a:t>
+            </a:r>
+            <a:endParaRPr lang="de-DE" sz="6000" b="1" cap="none" spc="50" dirty="0">
+              <a:ln w="11430"/>
+              <a:solidFill>
+                <a:srgbClr val="FF0000"/>
+              </a:solidFill>
+              <a:effectLst>
+                <a:outerShdw blurRad="76200" dist="50800" dir="5400000" algn="tl" rotWithShape="0">
+                  <a:srgbClr val="000000">
+                    <a:alpha val="65000"/>
+                  </a:srgbClr>
+                </a:outerShdw>
+              </a:effectLst>
+            </a:endParaRPr>
+          </a:p>
+        </p:txBody>
+      </p:sp>
+    </p:spTree>
+    <p:extLst>
+      <p:ext uri="{BB962C8B-B14F-4D97-AF65-F5344CB8AC3E}">
+        <p14:creationId xmlns:p14="http://schemas.microsoft.com/office/powerpoint/2010/main" val="445411419"/>
+      </p:ext>
+    </p:extLst>
+  </p:cSld>
+  <p:clrMapOvr>
+    <a:masterClrMapping/>
+  </p:clrMapOvr>
+  <p:timing>
+    <p:tnLst>
+      <p:par>
+        <p:cTn id="1" dur="indefinite" restart="never" nodeType="tmRoot"/>
+      </p:par>
+    </p:tnLst>
+  </p:timing>
+</p:sld>
+</file>
+
+<file path=ppt/slides/slide3.xml><?xml version="1.0" encoding="utf-8"?>
+<p:sld xmlns:a="http://schemas.openxmlformats.org/drawingml/2006/main" xmlns:r="http://schemas.openxmlformats.org/officeDocument/2006/relationships" xmlns:p="http://schemas.openxmlformats.org/presentationml/2006/main">
+  <p:cSld>
+    <p:spTree>
+      <p:nvGrpSpPr>
+        <p:cNvPr id="1" name=""/>
+        <p:cNvGrpSpPr/>
+        <p:nvPr/>
+      </p:nvGrpSpPr>
+      <p:grpSpPr>
+        <a:xfrm>
+          <a:off x="0" y="0"/>
+          <a:ext cx="0" cy="0"/>
+          <a:chOff x="0" y="0"/>
+          <a:chExt cx="0" cy="0"/>
+        </a:xfrm>
+      </p:grpSpPr>
+      <p:sp>
+        <p:nvSpPr>
+          <p:cNvPr id="4" name="Rechteck 3"/>
+          <p:cNvSpPr/>
+          <p:nvPr/>
+        </p:nvSpPr>
+        <p:spPr>
+          <a:xfrm>
+            <a:off x="3275010" y="2967335"/>
+            <a:ext cx="2593980" cy="1569660"/>
+          </a:xfrm>
+          <a:prstGeom prst="rect">
+            <a:avLst/>
+          </a:prstGeom>
+          <a:noFill/>
+        </p:spPr>
+        <p:txBody>
+          <a:bodyPr wrap="none" lIns="91440" tIns="45720" rIns="91440" bIns="45720">
+            <a:spAutoFit/>
+            <a:scene3d>
+              <a:camera prst="orthographicFront"/>
+              <a:lightRig rig="soft" dir="tl">
+                <a:rot lat="0" lon="0" rev="0"/>
+              </a:lightRig>
+            </a:scene3d>
+            <a:sp3d contourW="25400" prstMaterial="matte">
+              <a:bevelT w="25400" h="55880" prst="artDeco"/>
+              <a:contourClr>
+                <a:schemeClr val="accent2">
+                  <a:tint val="20000"/>
+                </a:schemeClr>
+              </a:contourClr>
+            </a:sp3d>
+          </a:bodyPr>
+          <a:lstStyle/>
+          <a:p>
+            <a:pPr algn="ctr"/>
+            <a:r>
               <a:rPr lang="de-DE" sz="9600" b="1" cap="none" spc="50" dirty="0" smtClean="0">
                 <a:ln w="11430"/>
                 <a:solidFill>
@@ -3447,10 +3824,17 @@
   <p:clrMapOvr>
     <a:masterClrMapping/>
   </p:clrMapOvr>
+  <p:timing>
+    <p:tnLst>
+      <p:par>
+        <p:cTn id="1" dur="indefinite" restart="never" nodeType="tmRoot"/>
+      </p:par>
+    </p:tnLst>
+  </p:timing>
 </p:sld>
 </file>
 
-<file path=ppt/slides/slide3.xml><?xml version="1.0" encoding="utf-8"?>
+<file path=ppt/slides/slide4.xml><?xml version="1.0" encoding="utf-8"?>
 <p:sld xmlns:a="http://schemas.openxmlformats.org/drawingml/2006/main" xmlns:r="http://schemas.openxmlformats.org/officeDocument/2006/relationships" xmlns:p="http://schemas.openxmlformats.org/presentationml/2006/main">
   <p:cSld>
     <p:spTree>
@@ -3576,6 +3960,13 @@
   <p:clrMapOvr>
     <a:masterClrMapping/>
   </p:clrMapOvr>
+  <p:timing>
+    <p:tnLst>
+      <p:par>
+        <p:cTn id="1" dur="indefinite" restart="never" nodeType="tmRoot"/>
+      </p:par>
+    </p:tnLst>
+  </p:timing>
 </p:sld>
 </file>
 
